--- a/Report/Salim-Section/Presentation1.pptx
+++ b/Report/Salim-Section/Presentation1.pptx
@@ -8,6 +8,7 @@
     <p:sldId id="256" r:id="rId2"/>
     <p:sldId id="257" r:id="rId3"/>
     <p:sldId id="258" r:id="rId4"/>
+    <p:sldId id="259" r:id="rId5"/>
   </p:sldIdLst>
   <p:sldSz cx="12192000" cy="6858000"/>
   <p:notesSz cx="6858000" cy="9144000"/>
@@ -106,6 +107,11 @@
       </a:defRPr>
     </a:lvl9pPr>
   </p:defaultTextStyle>
+  <p:extLst>
+    <p:ext uri="{EFAFB233-063F-42B5-8137-9DF3F51BA10A}">
+      <p15:sldGuideLst xmlns:p15="http://schemas.microsoft.com/office/powerpoint/2012/main"/>
+    </p:ext>
+  </p:extLst>
 </p:presentation>
 </file>
 
@@ -3566,6 +3572,229 @@
 </p:sld>
 </file>
 
+<file path=ppt/slides/slide4.xml><?xml version="1.0" encoding="utf-8"?>
+<p:sld xmlns:a="http://schemas.openxmlformats.org/drawingml/2006/main" xmlns:r="http://schemas.openxmlformats.org/officeDocument/2006/relationships" xmlns:p="http://schemas.openxmlformats.org/presentationml/2006/main">
+  <p:cSld>
+    <p:spTree>
+      <p:nvGrpSpPr>
+        <p:cNvPr id="1" name=""/>
+        <p:cNvGrpSpPr/>
+        <p:nvPr/>
+      </p:nvGrpSpPr>
+      <p:grpSpPr>
+        <a:xfrm>
+          <a:off x="0" y="0"/>
+          <a:ext cx="0" cy="0"/>
+          <a:chOff x="0" y="0"/>
+          <a:chExt cx="0" cy="0"/>
+        </a:xfrm>
+      </p:grpSpPr>
+      <p:sp>
+        <p:nvSpPr>
+          <p:cNvPr id="2" name="Title 1">
+            <a:extLst>
+              <a:ext uri="{FF2B5EF4-FFF2-40B4-BE49-F238E27FC236}">
+                <a16:creationId xmlns:a16="http://schemas.microsoft.com/office/drawing/2014/main" id="{BDFEE27B-0BBC-4FDA-A073-6FE7F31105D5}"/>
+              </a:ext>
+            </a:extLst>
+          </p:cNvPr>
+          <p:cNvSpPr>
+            <a:spLocks noGrp="1"/>
+          </p:cNvSpPr>
+          <p:nvPr>
+            <p:ph type="title"/>
+          </p:nvPr>
+        </p:nvSpPr>
+        <p:spPr/>
+        <p:txBody>
+          <a:bodyPr/>
+          <a:lstStyle/>
+          <a:p>
+            <a:r>
+              <a:rPr lang="en-US" dirty="0" err="1"/>
+              <a:t>ssl</a:t>
+            </a:r>
+            <a:endParaRPr lang="en-US" dirty="0"/>
+          </a:p>
+        </p:txBody>
+      </p:sp>
+      <p:pic>
+        <p:nvPicPr>
+          <p:cNvPr id="1026" name="Picture 2" descr="ÙØªÙØ¬Ø© Ø¨Ø­Ø« Ø§ÙØµÙØ± Ø¹Ù âªsslâ¬â">
+            <a:extLst>
+              <a:ext uri="{FF2B5EF4-FFF2-40B4-BE49-F238E27FC236}">
+                <a16:creationId xmlns:a16="http://schemas.microsoft.com/office/drawing/2014/main" id="{98B682F5-AB33-4B11-8A0A-F1A6E4066039}"/>
+              </a:ext>
+            </a:extLst>
+          </p:cNvPr>
+          <p:cNvPicPr>
+            <a:picLocks noGrp="1" noChangeAspect="1" noChangeArrowheads="1"/>
+          </p:cNvPicPr>
+          <p:nvPr>
+            <p:ph idx="1"/>
+          </p:nvPr>
+        </p:nvPicPr>
+        <p:blipFill>
+          <a:blip r:embed="rId2">
+            <a:extLst>
+              <a:ext uri="{28A0092B-C50C-407E-A947-70E740481C1C}">
+                <a14:useLocalDpi xmlns:a14="http://schemas.microsoft.com/office/drawing/2010/main" val="0"/>
+              </a:ext>
+            </a:extLst>
+          </a:blip>
+          <a:srcRect/>
+          <a:stretch>
+            <a:fillRect/>
+          </a:stretch>
+        </p:blipFill>
+        <p:spPr bwMode="auto">
+          <a:xfrm>
+            <a:off x="3032884" y="365125"/>
+            <a:ext cx="7000875" cy="2857500"/>
+          </a:xfrm>
+          <a:prstGeom prst="rect">
+            <a:avLst/>
+          </a:prstGeom>
+          <a:noFill/>
+          <a:extLst>
+            <a:ext uri="{909E8E84-426E-40DD-AFC4-6F175D3DCCD1}">
+              <a14:hiddenFill xmlns:a14="http://schemas.microsoft.com/office/drawing/2010/main">
+                <a:solidFill>
+                  <a:srgbClr val="FFFFFF"/>
+                </a:solidFill>
+              </a14:hiddenFill>
+            </a:ext>
+          </a:extLst>
+        </p:spPr>
+      </p:pic>
+      <p:sp>
+        <p:nvSpPr>
+          <p:cNvPr id="4" name="Rectangle 3">
+            <a:extLst>
+              <a:ext uri="{FF2B5EF4-FFF2-40B4-BE49-F238E27FC236}">
+                <a16:creationId xmlns:a16="http://schemas.microsoft.com/office/drawing/2014/main" id="{61E4B043-F447-498F-AAF6-D307D9718D08}"/>
+              </a:ext>
+            </a:extLst>
+          </p:cNvPr>
+          <p:cNvSpPr/>
+          <p:nvPr/>
+        </p:nvSpPr>
+        <p:spPr>
+          <a:xfrm>
+            <a:off x="3048000" y="3527390"/>
+            <a:ext cx="6096000" cy="2916183"/>
+          </a:xfrm>
+          <a:prstGeom prst="rect">
+            <a:avLst/>
+          </a:prstGeom>
+        </p:spPr>
+        <p:txBody>
+          <a:bodyPr>
+            <a:spAutoFit/>
+          </a:bodyPr>
+          <a:lstStyle/>
+          <a:p>
+            <a:pPr marL="342900" lvl="0" indent="-342900">
+              <a:buFont typeface="Symbol" panose="05050102010706020507" pitchFamily="18" charset="2"/>
+              <a:buChar char=""/>
+            </a:pPr>
+            <a:r>
+              <a:rPr lang="en-US" dirty="0">
+                <a:latin typeface="Times New Roman" panose="02020603050405020304" pitchFamily="18" charset="0"/>
+                <a:ea typeface="Times New Roman" panose="02020603050405020304" pitchFamily="18" charset="0"/>
+              </a:rPr>
+              <a:t>A protocol developed by Netscape. </a:t>
+            </a:r>
+            <a:endParaRPr lang="en-US" sz="1600" dirty="0">
+              <a:latin typeface="Times New Roman" panose="02020603050405020304" pitchFamily="18" charset="0"/>
+              <a:ea typeface="Times New Roman" panose="02020603050405020304" pitchFamily="18" charset="0"/>
+            </a:endParaRPr>
+          </a:p>
+          <a:p>
+            <a:pPr marL="342900" marR="0" lvl="0" indent="-342900">
+              <a:spcBef>
+                <a:spcPts val="0"/>
+              </a:spcBef>
+              <a:spcAft>
+                <a:spcPts val="0"/>
+              </a:spcAft>
+              <a:buFont typeface="Symbol" panose="05050102010706020507" pitchFamily="18" charset="2"/>
+              <a:buChar char=""/>
+            </a:pPr>
+            <a:r>
+              <a:rPr lang="en-US" dirty="0">
+                <a:latin typeface="Times New Roman" panose="02020603050405020304" pitchFamily="18" charset="0"/>
+                <a:ea typeface="Times New Roman" panose="02020603050405020304" pitchFamily="18" charset="0"/>
+              </a:rPr>
+              <a:t>It is a whole new layer of protocol which operates above the Internet TCP protocol and below high-level application protocols.</a:t>
+            </a:r>
+            <a:endParaRPr lang="en-US" sz="1600" dirty="0">
+              <a:latin typeface="Times New Roman" panose="02020603050405020304" pitchFamily="18" charset="0"/>
+              <a:ea typeface="Times New Roman" panose="02020603050405020304" pitchFamily="18" charset="0"/>
+            </a:endParaRPr>
+          </a:p>
+          <a:p>
+            <a:pPr marL="342900" marR="0" lvl="0" indent="-342900" algn="just">
+              <a:lnSpc>
+                <a:spcPts val="2250"/>
+              </a:lnSpc>
+              <a:spcBef>
+                <a:spcPts val="0"/>
+              </a:spcBef>
+              <a:spcAft>
+                <a:spcPts val="0"/>
+              </a:spcAft>
+              <a:buFont typeface="Symbol" panose="05050102010706020507" pitchFamily="18" charset="2"/>
+              <a:buChar char=""/>
+            </a:pPr>
+            <a:r>
+              <a:rPr lang="en-US" dirty="0">
+                <a:solidFill>
+                  <a:srgbClr val="000000"/>
+                </a:solidFill>
+                <a:latin typeface="Times New Roman" panose="02020603050405020304" pitchFamily="18" charset="0"/>
+                <a:ea typeface="Times New Roman" panose="02020603050405020304" pitchFamily="18" charset="0"/>
+                <a:cs typeface="Times New Roman" panose="02020603050405020304" pitchFamily="18" charset="0"/>
+              </a:rPr>
+              <a:t>SSL is a standard security protocol for establishing encrypted links between a web server and a browser in an online communication.</a:t>
+            </a:r>
+            <a:endParaRPr lang="en-US" sz="1600" dirty="0">
+              <a:latin typeface="Times New Roman" panose="02020603050405020304" pitchFamily="18" charset="0"/>
+              <a:ea typeface="Times New Roman" panose="02020603050405020304" pitchFamily="18" charset="0"/>
+            </a:endParaRPr>
+          </a:p>
+          <a:p>
+            <a:r>
+              <a:rPr lang="en-US" b="1" dirty="0">
+                <a:solidFill>
+                  <a:srgbClr val="FF0000"/>
+                </a:solidFill>
+                <a:latin typeface="Times New Roman" panose="02020603050405020304" pitchFamily="18" charset="0"/>
+                <a:ea typeface="Calibri" panose="020F0502020204030204" pitchFamily="34" charset="0"/>
+              </a:rPr>
+              <a:t>The usage of SSL technology ensures that all data transmitted between the web server and browser remains encrypted</a:t>
+            </a:r>
+            <a:endParaRPr lang="en-US" b="1" dirty="0">
+              <a:solidFill>
+                <a:srgbClr val="FF0000"/>
+              </a:solidFill>
+            </a:endParaRPr>
+          </a:p>
+        </p:txBody>
+      </p:sp>
+    </p:spTree>
+    <p:extLst>
+      <p:ext uri="{BB962C8B-B14F-4D97-AF65-F5344CB8AC3E}">
+        <p14:creationId xmlns:p14="http://schemas.microsoft.com/office/powerpoint/2010/main" val="3603661296"/>
+      </p:ext>
+    </p:extLst>
+  </p:cSld>
+  <p:clrMapOvr>
+    <a:masterClrMapping/>
+  </p:clrMapOvr>
+</p:sld>
+</file>
+
 <file path=ppt/theme/theme1.xml><?xml version="1.0" encoding="utf-8"?>
 <a:theme xmlns:a="http://schemas.openxmlformats.org/drawingml/2006/main" name="Office Theme">
   <a:themeElements>
